--- a/Soutenance/Generalized-ICP - Nico.pptx
+++ b/Soutenance/Generalized-ICP - Nico.pptx
@@ -236,7 +236,7 @@
           <a:p>
             <a:fld id="{A5306EC0-E196-46DC-A0B1-128900DDDB72}" type="datetimeFigureOut">
               <a:rPr lang="en-US" smtClean="0"/>
-              <a:t>3/22/2015</a:t>
+              <a:t>3/23/2015</a:t>
             </a:fld>
             <a:endParaRPr lang="en-US"/>
           </a:p>
@@ -395,7 +395,7 @@
           <a:p>
             <a:fld id="{08B3755D-042F-4276-84B8-60B4384BB657}" type="slidenum">
               <a:rPr lang="en-US" smtClean="0"/>
-              <a:t>‹N°›</a:t>
+              <a:t>‹#›</a:t>
             </a:fld>
             <a:endParaRPr lang="en-US"/>
           </a:p>
@@ -719,7 +719,7 @@
           <a:p>
             <a:fld id="{50A3249D-CB47-4714-AC01-FB75D24AD690}" type="datetimeFigureOut">
               <a:rPr lang="fr-FR" smtClean="0"/>
-              <a:t>22/03/2015</a:t>
+              <a:t>23/03/2015</a:t>
             </a:fld>
             <a:endParaRPr lang="fr-FR" dirty="0"/>
           </a:p>
@@ -761,7 +761,7 @@
           <a:p>
             <a:fld id="{B28FB1F0-8BB5-4EAE-8A92-5B638F8C114A}" type="slidenum">
               <a:rPr lang="fr-FR" smtClean="0"/>
-              <a:t>‹N°›</a:t>
+              <a:t>‹#›</a:t>
             </a:fld>
             <a:endParaRPr lang="fr-FR" dirty="0"/>
           </a:p>
@@ -889,7 +889,7 @@
           <a:p>
             <a:fld id="{50A3249D-CB47-4714-AC01-FB75D24AD690}" type="datetimeFigureOut">
               <a:rPr lang="fr-FR" smtClean="0"/>
-              <a:t>22/03/2015</a:t>
+              <a:t>23/03/2015</a:t>
             </a:fld>
             <a:endParaRPr lang="fr-FR" dirty="0"/>
           </a:p>
@@ -931,7 +931,7 @@
           <a:p>
             <a:fld id="{B28FB1F0-8BB5-4EAE-8A92-5B638F8C114A}" type="slidenum">
               <a:rPr lang="fr-FR" smtClean="0"/>
-              <a:t>‹N°›</a:t>
+              <a:t>‹#›</a:t>
             </a:fld>
             <a:endParaRPr lang="fr-FR" dirty="0"/>
           </a:p>
@@ -1069,7 +1069,7 @@
           <a:p>
             <a:fld id="{50A3249D-CB47-4714-AC01-FB75D24AD690}" type="datetimeFigureOut">
               <a:rPr lang="fr-FR" smtClean="0"/>
-              <a:t>22/03/2015</a:t>
+              <a:t>23/03/2015</a:t>
             </a:fld>
             <a:endParaRPr lang="fr-FR" dirty="0"/>
           </a:p>
@@ -1111,7 +1111,7 @@
           <a:p>
             <a:fld id="{B28FB1F0-8BB5-4EAE-8A92-5B638F8C114A}" type="slidenum">
               <a:rPr lang="fr-FR" smtClean="0"/>
-              <a:t>‹N°›</a:t>
+              <a:t>‹#›</a:t>
             </a:fld>
             <a:endParaRPr lang="fr-FR" dirty="0"/>
           </a:p>
@@ -1239,7 +1239,7 @@
           <a:p>
             <a:fld id="{50A3249D-CB47-4714-AC01-FB75D24AD690}" type="datetimeFigureOut">
               <a:rPr lang="fr-FR" smtClean="0"/>
-              <a:t>22/03/2015</a:t>
+              <a:t>23/03/2015</a:t>
             </a:fld>
             <a:endParaRPr lang="fr-FR" dirty="0"/>
           </a:p>
@@ -1281,7 +1281,7 @@
           <a:p>
             <a:fld id="{B28FB1F0-8BB5-4EAE-8A92-5B638F8C114A}" type="slidenum">
               <a:rPr lang="fr-FR" smtClean="0"/>
-              <a:t>‹N°›</a:t>
+              <a:t>‹#›</a:t>
             </a:fld>
             <a:endParaRPr lang="fr-FR" dirty="0"/>
           </a:p>
@@ -1485,7 +1485,7 @@
           <a:p>
             <a:fld id="{50A3249D-CB47-4714-AC01-FB75D24AD690}" type="datetimeFigureOut">
               <a:rPr lang="fr-FR" smtClean="0"/>
-              <a:t>22/03/2015</a:t>
+              <a:t>23/03/2015</a:t>
             </a:fld>
             <a:endParaRPr lang="fr-FR" dirty="0"/>
           </a:p>
@@ -1527,7 +1527,7 @@
           <a:p>
             <a:fld id="{B28FB1F0-8BB5-4EAE-8A92-5B638F8C114A}" type="slidenum">
               <a:rPr lang="fr-FR" smtClean="0"/>
-              <a:t>‹N°›</a:t>
+              <a:t>‹#›</a:t>
             </a:fld>
             <a:endParaRPr lang="fr-FR" dirty="0"/>
           </a:p>
@@ -1717,7 +1717,7 @@
           <a:p>
             <a:fld id="{50A3249D-CB47-4714-AC01-FB75D24AD690}" type="datetimeFigureOut">
               <a:rPr lang="fr-FR" smtClean="0"/>
-              <a:t>22/03/2015</a:t>
+              <a:t>23/03/2015</a:t>
             </a:fld>
             <a:endParaRPr lang="fr-FR" dirty="0"/>
           </a:p>
@@ -1759,7 +1759,7 @@
           <a:p>
             <a:fld id="{B28FB1F0-8BB5-4EAE-8A92-5B638F8C114A}" type="slidenum">
               <a:rPr lang="fr-FR" smtClean="0"/>
-              <a:t>‹N°›</a:t>
+              <a:t>‹#›</a:t>
             </a:fld>
             <a:endParaRPr lang="fr-FR" dirty="0"/>
           </a:p>
@@ -2084,7 +2084,7 @@
           <a:p>
             <a:fld id="{50A3249D-CB47-4714-AC01-FB75D24AD690}" type="datetimeFigureOut">
               <a:rPr lang="fr-FR" smtClean="0"/>
-              <a:t>22/03/2015</a:t>
+              <a:t>23/03/2015</a:t>
             </a:fld>
             <a:endParaRPr lang="fr-FR" dirty="0"/>
           </a:p>
@@ -2126,7 +2126,7 @@
           <a:p>
             <a:fld id="{B28FB1F0-8BB5-4EAE-8A92-5B638F8C114A}" type="slidenum">
               <a:rPr lang="fr-FR" smtClean="0"/>
-              <a:t>‹N°›</a:t>
+              <a:t>‹#›</a:t>
             </a:fld>
             <a:endParaRPr lang="fr-FR" dirty="0"/>
           </a:p>
@@ -2202,7 +2202,7 @@
           <a:p>
             <a:fld id="{50A3249D-CB47-4714-AC01-FB75D24AD690}" type="datetimeFigureOut">
               <a:rPr lang="fr-FR" smtClean="0"/>
-              <a:t>22/03/2015</a:t>
+              <a:t>23/03/2015</a:t>
             </a:fld>
             <a:endParaRPr lang="fr-FR" dirty="0"/>
           </a:p>
@@ -2244,7 +2244,7 @@
           <a:p>
             <a:fld id="{B28FB1F0-8BB5-4EAE-8A92-5B638F8C114A}" type="slidenum">
               <a:rPr lang="fr-FR" smtClean="0"/>
-              <a:t>‹N°›</a:t>
+              <a:t>‹#›</a:t>
             </a:fld>
             <a:endParaRPr lang="fr-FR" dirty="0"/>
           </a:p>
@@ -2297,7 +2297,7 @@
           <a:p>
             <a:fld id="{50A3249D-CB47-4714-AC01-FB75D24AD690}" type="datetimeFigureOut">
               <a:rPr lang="fr-FR" smtClean="0"/>
-              <a:t>22/03/2015</a:t>
+              <a:t>23/03/2015</a:t>
             </a:fld>
             <a:endParaRPr lang="fr-FR" dirty="0"/>
           </a:p>
@@ -2339,7 +2339,7 @@
           <a:p>
             <a:fld id="{B28FB1F0-8BB5-4EAE-8A92-5B638F8C114A}" type="slidenum">
               <a:rPr lang="fr-FR" smtClean="0"/>
-              <a:t>‹N°›</a:t>
+              <a:t>‹#›</a:t>
             </a:fld>
             <a:endParaRPr lang="fr-FR" dirty="0"/>
           </a:p>
@@ -2574,7 +2574,7 @@
           <a:p>
             <a:fld id="{50A3249D-CB47-4714-AC01-FB75D24AD690}" type="datetimeFigureOut">
               <a:rPr lang="fr-FR" smtClean="0"/>
-              <a:t>22/03/2015</a:t>
+              <a:t>23/03/2015</a:t>
             </a:fld>
             <a:endParaRPr lang="fr-FR" dirty="0"/>
           </a:p>
@@ -2616,7 +2616,7 @@
           <a:p>
             <a:fld id="{B28FB1F0-8BB5-4EAE-8A92-5B638F8C114A}" type="slidenum">
               <a:rPr lang="fr-FR" smtClean="0"/>
-              <a:t>‹N°›</a:t>
+              <a:t>‹#›</a:t>
             </a:fld>
             <a:endParaRPr lang="fr-FR" dirty="0"/>
           </a:p>
@@ -2827,7 +2827,7 @@
           <a:p>
             <a:fld id="{50A3249D-CB47-4714-AC01-FB75D24AD690}" type="datetimeFigureOut">
               <a:rPr lang="fr-FR" smtClean="0"/>
-              <a:t>22/03/2015</a:t>
+              <a:t>23/03/2015</a:t>
             </a:fld>
             <a:endParaRPr lang="fr-FR" dirty="0"/>
           </a:p>
@@ -2869,7 +2869,7 @@
           <a:p>
             <a:fld id="{B28FB1F0-8BB5-4EAE-8A92-5B638F8C114A}" type="slidenum">
               <a:rPr lang="fr-FR" smtClean="0"/>
-              <a:t>‹N°›</a:t>
+              <a:t>‹#›</a:t>
             </a:fld>
             <a:endParaRPr lang="fr-FR" dirty="0"/>
           </a:p>
@@ -3040,7 +3040,7 @@
           <a:p>
             <a:fld id="{50A3249D-CB47-4714-AC01-FB75D24AD690}" type="datetimeFigureOut">
               <a:rPr lang="fr-FR" smtClean="0"/>
-              <a:t>22/03/2015</a:t>
+              <a:t>23/03/2015</a:t>
             </a:fld>
             <a:endParaRPr lang="fr-FR" dirty="0"/>
           </a:p>
@@ -3118,7 +3118,7 @@
           <a:p>
             <a:fld id="{B28FB1F0-8BB5-4EAE-8A92-5B638F8C114A}" type="slidenum">
               <a:rPr lang="fr-FR" smtClean="0"/>
-              <a:t>‹N°›</a:t>
+              <a:t>‹#›</a:t>
             </a:fld>
             <a:endParaRPr lang="fr-FR" dirty="0"/>
           </a:p>
@@ -3536,7 +3536,6 @@
               <a:rPr lang="en-US" dirty="0" smtClean="0"/>
               <a:t> 3D</a:t>
             </a:r>
-            <a:endParaRPr lang="en-US" dirty="0" smtClean="0"/>
           </a:p>
         </p:txBody>
       </p:sp>
@@ -3638,7 +3637,7 @@
           <a:p>
             <a:fld id="{6D2008FB-76C5-4FE2-B164-46F30A0CCE46}" type="datetime1">
               <a:rPr lang="fr-FR" smtClean="0"/>
-              <a:t>22/03/2015</a:t>
+              <a:t>23/03/2015</a:t>
             </a:fld>
             <a:endParaRPr lang="fr-FR"/>
           </a:p>
@@ -4680,18 +4679,14 @@
           <a:p>
             <a:r>
               <a:rPr lang="fr-FR" dirty="0" smtClean="0"/>
-              <a:t>Evaluation de </a:t>
-            </a:r>
-            <a:r>
-              <a:rPr lang="fr-FR" dirty="0" smtClean="0"/>
-              <a:t>l’algorithme</a:t>
+              <a:t>Evaluation de l’algorithme</a:t>
             </a:r>
             <a:endParaRPr lang="fr-FR" dirty="0"/>
           </a:p>
         </p:txBody>
       </p:sp>
-      <mc:AlternateContent xmlns:mc="http://schemas.openxmlformats.org/markup-compatibility/2006">
-        <mc:Choice xmlns:a14="http://schemas.microsoft.com/office/drawing/2010/main" Requires="a14">
+      <mc:AlternateContent xmlns:mc="http://schemas.openxmlformats.org/markup-compatibility/2006" xmlns:a14="http://schemas.microsoft.com/office/drawing/2010/main">
+        <mc:Choice Requires="a14">
           <p:sp>
             <p:nvSpPr>
               <p:cNvPr id="3" name="Content Placeholder 2"/>
@@ -4751,7 +4746,7 @@
             </p:txBody>
           </p:sp>
         </mc:Choice>
-        <mc:Fallback>
+        <mc:Fallback xmlns="">
           <p:sp>
             <p:nvSpPr>
               <p:cNvPr id="3" name="Content Placeholder 2"/>
@@ -5007,11 +5002,7 @@
           <a:p>
             <a:r>
               <a:rPr lang="fr-FR" dirty="0" smtClean="0"/>
-              <a:t>Evaluation de </a:t>
-            </a:r>
-            <a:r>
-              <a:rPr lang="fr-FR" dirty="0" smtClean="0"/>
-              <a:t>l’algorithme</a:t>
+              <a:t>Evaluation de l’algorithme</a:t>
             </a:r>
             <a:endParaRPr lang="fr-FR" dirty="0"/>
           </a:p>
@@ -5294,11 +5285,7 @@
           <a:p>
             <a:r>
               <a:rPr lang="fr-FR" dirty="0" smtClean="0"/>
-              <a:t>Evaluation de </a:t>
-            </a:r>
-            <a:r>
-              <a:rPr lang="fr-FR" dirty="0" smtClean="0"/>
-              <a:t>l’algorithme</a:t>
+              <a:t>Evaluation de l’algorithme</a:t>
             </a:r>
             <a:endParaRPr lang="fr-FR" dirty="0"/>
           </a:p>
@@ -5503,11 +5490,7 @@
           <a:p>
             <a:r>
               <a:rPr lang="fr-FR" dirty="0" smtClean="0"/>
-              <a:t>Evaluation de </a:t>
-            </a:r>
-            <a:r>
-              <a:rPr lang="fr-FR" dirty="0" smtClean="0"/>
-              <a:t>l’algorithme</a:t>
+              <a:t>Evaluation de l’algorithme</a:t>
             </a:r>
             <a:endParaRPr lang="fr-FR" dirty="0"/>
           </a:p>
@@ -5596,8 +5579,8 @@
           </a:prstGeom>
         </p:spPr>
       </p:pic>
-      <mc:AlternateContent xmlns:mc="http://schemas.openxmlformats.org/markup-compatibility/2006">
-        <mc:Choice xmlns:a14="http://schemas.microsoft.com/office/drawing/2010/main" Requires="a14">
+      <mc:AlternateContent xmlns:mc="http://schemas.openxmlformats.org/markup-compatibility/2006" xmlns:a14="http://schemas.microsoft.com/office/drawing/2010/main">
+        <mc:Choice Requires="a14">
           <p:sp>
             <p:nvSpPr>
               <p:cNvPr id="6" name="ZoneTexte 5"/>
@@ -5675,7 +5658,7 @@
             </p:txBody>
           </p:sp>
         </mc:Choice>
-        <mc:Fallback>
+        <mc:Fallback xmlns="">
           <p:sp>
             <p:nvSpPr>
               <p:cNvPr id="6" name="ZoneTexte 5"/>
@@ -5714,8 +5697,8 @@
           </p:sp>
         </mc:Fallback>
       </mc:AlternateContent>
-      <mc:AlternateContent xmlns:mc="http://schemas.openxmlformats.org/markup-compatibility/2006">
-        <mc:Choice xmlns:a14="http://schemas.microsoft.com/office/drawing/2010/main" Requires="a14">
+      <mc:AlternateContent xmlns:mc="http://schemas.openxmlformats.org/markup-compatibility/2006" xmlns:a14="http://schemas.microsoft.com/office/drawing/2010/main">
+        <mc:Choice Requires="a14">
           <p:sp>
             <p:nvSpPr>
               <p:cNvPr id="7" name="ZoneTexte 6"/>
@@ -5801,7 +5784,7 @@
             </p:txBody>
           </p:sp>
         </mc:Choice>
-        <mc:Fallback>
+        <mc:Fallback xmlns="">
           <p:sp>
             <p:nvSpPr>
               <p:cNvPr id="7" name="ZoneTexte 6"/>
@@ -5982,8 +5965,17 @@
           <a:p>
             <a:r>
               <a:rPr lang="fr-FR" sz="2000" dirty="0" smtClean="0"/>
-              <a:t>Temps d’exécution (de la minimisation</a:t>
-            </a:r>
+              <a:t>Temps d’exécution (de </a:t>
+            </a:r>
+            <a:r>
+              <a:rPr lang="fr-FR" sz="2000" smtClean="0"/>
+              <a:t>la </a:t>
+            </a:r>
+            <a:r>
+              <a:rPr lang="fr-FR" sz="2000" smtClean="0"/>
+              <a:t>minimisation)</a:t>
+            </a:r>
+            <a:endParaRPr lang="fr-FR" sz="2000" dirty="0" smtClean="0"/>
           </a:p>
           <a:p>
             <a:endParaRPr lang="fr-FR" sz="2000" dirty="0"/>
@@ -6063,7 +6055,12 @@
             <p:ph idx="1"/>
           </p:nvPr>
         </p:nvSpPr>
-        <p:spPr/>
+        <p:spPr>
+          <a:xfrm>
+            <a:off x="992747" y="2489178"/>
+            <a:ext cx="10515600" cy="2469188"/>
+          </a:xfrm>
+        </p:spPr>
         <p:txBody>
           <a:bodyPr/>
           <a:lstStyle/>
